--- a/Presentation/05 - Blazor - Javascript Interop.pptx
+++ b/Presentation/05 - Blazor - Javascript Interop.pptx
@@ -244,7 +244,7 @@
             <a:fld id="{A74C3DD1-6B4C-423E-A696-BD4124EC33BC}" type="datetimeFigureOut">
               <a:rPr lang="cs-CZ" smtClean="0"/>
               <a:pPr/>
-              <a:t>21.02.2020</a:t>
+              <a:t>26.02.2020</a:t>
             </a:fld>
             <a:endParaRPr lang="cs-CZ" dirty="0"/>
           </a:p>
@@ -711,7 +711,7 @@
           <a:p>
             <a:fld id="{0DA6F2F8-F70A-47D7-AD2D-4F12E71A0C18}" type="datetimeFigureOut">
               <a:rPr lang="cs-CZ" smtClean="0"/>
-              <a:t>21.02.2020</a:t>
+              <a:t>26.02.2020</a:t>
             </a:fld>
             <a:endParaRPr lang="cs-CZ"/>
           </a:p>
@@ -893,7 +893,7 @@
           <a:p>
             <a:fld id="{0DA6F2F8-F70A-47D7-AD2D-4F12E71A0C18}" type="datetimeFigureOut">
               <a:rPr lang="cs-CZ" smtClean="0"/>
-              <a:t>21.02.2020</a:t>
+              <a:t>26.02.2020</a:t>
             </a:fld>
             <a:endParaRPr lang="cs-CZ"/>
           </a:p>
@@ -1085,7 +1085,7 @@
           <a:p>
             <a:fld id="{0DA6F2F8-F70A-47D7-AD2D-4F12E71A0C18}" type="datetimeFigureOut">
               <a:rPr lang="cs-CZ" smtClean="0"/>
-              <a:t>21.02.2020</a:t>
+              <a:t>26.02.2020</a:t>
             </a:fld>
             <a:endParaRPr lang="cs-CZ"/>
           </a:p>
@@ -1300,7 +1300,7 @@
           <a:p>
             <a:fld id="{0DA6F2F8-F70A-47D7-AD2D-4F12E71A0C18}" type="datetimeFigureOut">
               <a:rPr lang="cs-CZ" smtClean="0"/>
-              <a:t>21.02.2020</a:t>
+              <a:t>26.02.2020</a:t>
             </a:fld>
             <a:endParaRPr lang="cs-CZ"/>
           </a:p>
@@ -1575,7 +1575,7 @@
           <a:p>
             <a:fld id="{0DA6F2F8-F70A-47D7-AD2D-4F12E71A0C18}" type="datetimeFigureOut">
               <a:rPr lang="cs-CZ" smtClean="0"/>
-              <a:t>21.02.2020</a:t>
+              <a:t>26.02.2020</a:t>
             </a:fld>
             <a:endParaRPr lang="cs-CZ"/>
           </a:p>
@@ -1892,7 +1892,7 @@
           <a:p>
             <a:fld id="{0DA6F2F8-F70A-47D7-AD2D-4F12E71A0C18}" type="datetimeFigureOut">
               <a:rPr lang="cs-CZ" smtClean="0"/>
-              <a:t>21.02.2020</a:t>
+              <a:t>26.02.2020</a:t>
             </a:fld>
             <a:endParaRPr lang="cs-CZ" dirty="0"/>
           </a:p>
@@ -2343,7 +2343,7 @@
           <a:p>
             <a:fld id="{0DA6F2F8-F70A-47D7-AD2D-4F12E71A0C18}" type="datetimeFigureOut">
               <a:rPr lang="cs-CZ" smtClean="0"/>
-              <a:t>21.02.2020</a:t>
+              <a:t>26.02.2020</a:t>
             </a:fld>
             <a:endParaRPr lang="cs-CZ"/>
           </a:p>
@@ -2490,7 +2490,7 @@
           <a:p>
             <a:fld id="{0DA6F2F8-F70A-47D7-AD2D-4F12E71A0C18}" type="datetimeFigureOut">
               <a:rPr lang="cs-CZ" smtClean="0"/>
-              <a:t>21.02.2020</a:t>
+              <a:t>26.02.2020</a:t>
             </a:fld>
             <a:endParaRPr lang="cs-CZ"/>
           </a:p>
@@ -2597,7 +2597,7 @@
           <a:p>
             <a:fld id="{0DA6F2F8-F70A-47D7-AD2D-4F12E71A0C18}" type="datetimeFigureOut">
               <a:rPr lang="cs-CZ" smtClean="0"/>
-              <a:t>21.02.2020</a:t>
+              <a:t>26.02.2020</a:t>
             </a:fld>
             <a:endParaRPr lang="cs-CZ"/>
           </a:p>
@@ -2888,7 +2888,7 @@
           <a:p>
             <a:fld id="{0DA6F2F8-F70A-47D7-AD2D-4F12E71A0C18}" type="datetimeFigureOut">
               <a:rPr lang="cs-CZ" smtClean="0"/>
-              <a:t>21.02.2020</a:t>
+              <a:t>26.02.2020</a:t>
             </a:fld>
             <a:endParaRPr lang="cs-CZ"/>
           </a:p>
@@ -3157,7 +3157,7 @@
           <a:p>
             <a:fld id="{0DA6F2F8-F70A-47D7-AD2D-4F12E71A0C18}" type="datetimeFigureOut">
               <a:rPr lang="cs-CZ" smtClean="0"/>
-              <a:t>21.02.2020</a:t>
+              <a:t>26.02.2020</a:t>
             </a:fld>
             <a:endParaRPr lang="cs-CZ"/>
           </a:p>
@@ -3421,7 +3421,7 @@
           <a:p>
             <a:fld id="{0DA6F2F8-F70A-47D7-AD2D-4F12E71A0C18}" type="datetimeFigureOut">
               <a:rPr lang="cs-CZ" smtClean="0"/>
-              <a:t>21.02.2020</a:t>
+              <a:t>26.02.2020</a:t>
             </a:fld>
             <a:endParaRPr lang="cs-CZ"/>
           </a:p>
@@ -4115,39 +4115,7 @@
                 </a:solidFill>
                 <a:latin typeface="Consolas" panose="020B0609020204030204" pitchFamily="49" charset="0"/>
               </a:rPr>
-              <a:t>window.setTitle = (title) =&gt; {</a:t>
-            </a:r>
-          </a:p>
-          <a:p>
-            <a:pPr marL="0" indent="0">
-              <a:buNone/>
-            </a:pPr>
-            <a:r>
-              <a:rPr lang="cs-CZ" dirty="0">
-                <a:solidFill>
-                  <a:srgbClr val="000000"/>
-                </a:solidFill>
-                <a:latin typeface="Consolas" panose="020B0609020204030204" pitchFamily="49" charset="0"/>
-              </a:rPr>
-              <a:t>    console.log(</a:t>
-            </a:r>
-            <a:r>
-              <a:rPr lang="cs-CZ" dirty="0">
-                <a:solidFill>
-                  <a:srgbClr val="A31515"/>
-                </a:solidFill>
-                <a:latin typeface="Consolas" panose="020B0609020204030204" pitchFamily="49" charset="0"/>
-              </a:rPr>
-              <a:t>'Setting title'</a:t>
-            </a:r>
-            <a:r>
-              <a:rPr lang="cs-CZ" dirty="0">
-                <a:solidFill>
-                  <a:srgbClr val="000000"/>
-                </a:solidFill>
-                <a:latin typeface="Consolas" panose="020B0609020204030204" pitchFamily="49" charset="0"/>
-              </a:rPr>
-              <a:t>, title);</a:t>
+              <a:t>window.setTitle = (title) =&gt; {    </a:t>
             </a:r>
           </a:p>
           <a:p>
@@ -4263,7 +4231,7 @@
                                         <p:tgtEl>
                                           <p:spTgt spid="3">
                                             <p:txEl>
-                                              <p:pRg st="5" end="5"/>
+                                              <p:pRg st="4" end="4"/>
                                             </p:txEl>
                                           </p:spTgt>
                                         </p:tgtEl>
@@ -5497,12 +5465,12 @@
               <a:buNone/>
             </a:pPr>
             <a:r>
-              <a:rPr lang="cs-CZ" dirty="0">
+              <a:rPr lang="cs-CZ" sz="3600" dirty="0">
                 <a:hlinkClick r:id="rId2"/>
               </a:rPr>
-              <a:t>https://docs.microsoft.com/en-us/aspnet/core/blazor/call-dotnet-from-javascript?view=aspnetcore-3.1</a:t>
-            </a:r>
-            <a:endParaRPr lang="cs-CZ" dirty="0"/>
+              <a:t>https://docs.microsoft.com/en-us/aspnet/core/blazor/call-dotnet-from-javascript</a:t>
+            </a:r>
+            <a:endParaRPr lang="cs-CZ" sz="3600" dirty="0"/>
           </a:p>
         </p:txBody>
       </p:sp>
@@ -6107,9 +6075,12 @@
 </file>
 
 <file path=customXml/item1.xml><?xml version="1.0" encoding="utf-8"?>
-<p:properties xmlns:p="http://schemas.microsoft.com/office/2006/metadata/properties" xmlns:xsi="http://www.w3.org/2001/XMLSchema-instance" xmlns:pc="http://schemas.microsoft.com/office/infopath/2007/PartnerControls">
-  <documentManagement/>
-</p:properties>
+<?mso-contentType ?>
+<FormTemplates xmlns="http://schemas.microsoft.com/sharepoint/v3/contenttype/forms">
+  <Display>DocumentLibraryForm</Display>
+  <Edit>DocumentLibraryForm</Edit>
+  <New>DocumentLibraryForm</New>
+</FormTemplates>
 </file>
 
 <file path=customXml/item2.xml><?xml version="1.0" encoding="utf-8"?>
@@ -6227,19 +6198,15 @@
 </file>
 
 <file path=customXml/item3.xml><?xml version="1.0" encoding="utf-8"?>
-<?mso-contentType ?>
-<FormTemplates xmlns="http://schemas.microsoft.com/sharepoint/v3/contenttype/forms">
-  <Display>DocumentLibraryForm</Display>
-  <Edit>DocumentLibraryForm</Edit>
-  <New>DocumentLibraryForm</New>
-</FormTemplates>
+<p:properties xmlns:p="http://schemas.microsoft.com/office/2006/metadata/properties" xmlns:xsi="http://www.w3.org/2001/XMLSchema-instance" xmlns:pc="http://schemas.microsoft.com/office/infopath/2007/PartnerControls">
+  <documentManagement/>
+</p:properties>
 </file>
 
 <file path=customXml/itemProps1.xml><?xml version="1.0" encoding="utf-8"?>
-<ds:datastoreItem xmlns:ds="http://schemas.openxmlformats.org/officeDocument/2006/customXml" ds:itemID="{317FD51D-081C-435E-8F5D-6D88218064D9}">
+<ds:datastoreItem xmlns:ds="http://schemas.openxmlformats.org/officeDocument/2006/customXml" ds:itemID="{B22238E5-BDC0-4655-AFB5-A7405C559E7D}">
   <ds:schemaRefs>
-    <ds:schemaRef ds:uri="http://schemas.microsoft.com/office/2006/metadata/properties"/>
-    <ds:schemaRef ds:uri="http://schemas.microsoft.com/office/infopath/2007/PartnerControls"/>
+    <ds:schemaRef ds:uri="http://schemas.microsoft.com/sharepoint/v3/contenttype/forms"/>
   </ds:schemaRefs>
 </ds:datastoreItem>
 </file>
@@ -6261,9 +6228,10 @@
 </file>
 
 <file path=customXml/itemProps3.xml><?xml version="1.0" encoding="utf-8"?>
-<ds:datastoreItem xmlns:ds="http://schemas.openxmlformats.org/officeDocument/2006/customXml" ds:itemID="{B22238E5-BDC0-4655-AFB5-A7405C559E7D}">
+<ds:datastoreItem xmlns:ds="http://schemas.openxmlformats.org/officeDocument/2006/customXml" ds:itemID="{317FD51D-081C-435E-8F5D-6D88218064D9}">
   <ds:schemaRefs>
-    <ds:schemaRef ds:uri="http://schemas.microsoft.com/sharepoint/v3/contenttype/forms"/>
+    <ds:schemaRef ds:uri="http://schemas.microsoft.com/office/2006/metadata/properties"/>
+    <ds:schemaRef ds:uri="http://schemas.microsoft.com/office/infopath/2007/PartnerControls"/>
   </ds:schemaRefs>
 </ds:datastoreItem>
 </file>
--- a/Presentation/05 - Blazor - Javascript Interop.pptx
+++ b/Presentation/05 - Blazor - Javascript Interop.pptx
@@ -5,7 +5,7 @@
     <p:sldMasterId id="2147483794" r:id="rId4"/>
   </p:sldMasterIdLst>
   <p:notesMasterIdLst>
-    <p:notesMasterId r:id="rId11"/>
+    <p:notesMasterId r:id="rId13"/>
   </p:notesMasterIdLst>
   <p:sldIdLst>
     <p:sldId id="256" r:id="rId5"/>
@@ -13,7 +13,9 @@
     <p:sldId id="332" r:id="rId7"/>
     <p:sldId id="333" r:id="rId8"/>
     <p:sldId id="334" r:id="rId9"/>
-    <p:sldId id="335" r:id="rId10"/>
+    <p:sldId id="329" r:id="rId10"/>
+    <p:sldId id="335" r:id="rId11"/>
+    <p:sldId id="336" r:id="rId12"/>
   </p:sldIdLst>
   <p:sldSz cx="12192000" cy="6858000"/>
   <p:notesSz cx="6858000" cy="9144000"/>
@@ -244,7 +246,7 @@
             <a:fld id="{A74C3DD1-6B4C-423E-A696-BD4124EC33BC}" type="datetimeFigureOut">
               <a:rPr lang="cs-CZ" smtClean="0"/>
               <a:pPr/>
-              <a:t>26.02.2020</a:t>
+              <a:t>11.10.2021</a:t>
             </a:fld>
             <a:endParaRPr lang="cs-CZ" dirty="0"/>
           </a:p>
@@ -711,7 +713,7 @@
           <a:p>
             <a:fld id="{0DA6F2F8-F70A-47D7-AD2D-4F12E71A0C18}" type="datetimeFigureOut">
               <a:rPr lang="cs-CZ" smtClean="0"/>
-              <a:t>26.02.2020</a:t>
+              <a:t>11.10.2021</a:t>
             </a:fld>
             <a:endParaRPr lang="cs-CZ"/>
           </a:p>
@@ -893,7 +895,7 @@
           <a:p>
             <a:fld id="{0DA6F2F8-F70A-47D7-AD2D-4F12E71A0C18}" type="datetimeFigureOut">
               <a:rPr lang="cs-CZ" smtClean="0"/>
-              <a:t>26.02.2020</a:t>
+              <a:t>11.10.2021</a:t>
             </a:fld>
             <a:endParaRPr lang="cs-CZ"/>
           </a:p>
@@ -1085,7 +1087,7 @@
           <a:p>
             <a:fld id="{0DA6F2F8-F70A-47D7-AD2D-4F12E71A0C18}" type="datetimeFigureOut">
               <a:rPr lang="cs-CZ" smtClean="0"/>
-              <a:t>26.02.2020</a:t>
+              <a:t>11.10.2021</a:t>
             </a:fld>
             <a:endParaRPr lang="cs-CZ"/>
           </a:p>
@@ -1300,7 +1302,7 @@
           <a:p>
             <a:fld id="{0DA6F2F8-F70A-47D7-AD2D-4F12E71A0C18}" type="datetimeFigureOut">
               <a:rPr lang="cs-CZ" smtClean="0"/>
-              <a:t>26.02.2020</a:t>
+              <a:t>11.10.2021</a:t>
             </a:fld>
             <a:endParaRPr lang="cs-CZ"/>
           </a:p>
@@ -1575,7 +1577,7 @@
           <a:p>
             <a:fld id="{0DA6F2F8-F70A-47D7-AD2D-4F12E71A0C18}" type="datetimeFigureOut">
               <a:rPr lang="cs-CZ" smtClean="0"/>
-              <a:t>26.02.2020</a:t>
+              <a:t>11.10.2021</a:t>
             </a:fld>
             <a:endParaRPr lang="cs-CZ"/>
           </a:p>
@@ -1892,7 +1894,7 @@
           <a:p>
             <a:fld id="{0DA6F2F8-F70A-47D7-AD2D-4F12E71A0C18}" type="datetimeFigureOut">
               <a:rPr lang="cs-CZ" smtClean="0"/>
-              <a:t>26.02.2020</a:t>
+              <a:t>11.10.2021</a:t>
             </a:fld>
             <a:endParaRPr lang="cs-CZ" dirty="0"/>
           </a:p>
@@ -2343,7 +2345,7 @@
           <a:p>
             <a:fld id="{0DA6F2F8-F70A-47D7-AD2D-4F12E71A0C18}" type="datetimeFigureOut">
               <a:rPr lang="cs-CZ" smtClean="0"/>
-              <a:t>26.02.2020</a:t>
+              <a:t>11.10.2021</a:t>
             </a:fld>
             <a:endParaRPr lang="cs-CZ"/>
           </a:p>
@@ -2490,7 +2492,7 @@
           <a:p>
             <a:fld id="{0DA6F2F8-F70A-47D7-AD2D-4F12E71A0C18}" type="datetimeFigureOut">
               <a:rPr lang="cs-CZ" smtClean="0"/>
-              <a:t>26.02.2020</a:t>
+              <a:t>11.10.2021</a:t>
             </a:fld>
             <a:endParaRPr lang="cs-CZ"/>
           </a:p>
@@ -2597,7 +2599,7 @@
           <a:p>
             <a:fld id="{0DA6F2F8-F70A-47D7-AD2D-4F12E71A0C18}" type="datetimeFigureOut">
               <a:rPr lang="cs-CZ" smtClean="0"/>
-              <a:t>26.02.2020</a:t>
+              <a:t>11.10.2021</a:t>
             </a:fld>
             <a:endParaRPr lang="cs-CZ"/>
           </a:p>
@@ -2888,7 +2890,7 @@
           <a:p>
             <a:fld id="{0DA6F2F8-F70A-47D7-AD2D-4F12E71A0C18}" type="datetimeFigureOut">
               <a:rPr lang="cs-CZ" smtClean="0"/>
-              <a:t>26.02.2020</a:t>
+              <a:t>11.10.2021</a:t>
             </a:fld>
             <a:endParaRPr lang="cs-CZ"/>
           </a:p>
@@ -3157,7 +3159,7 @@
           <a:p>
             <a:fld id="{0DA6F2F8-F70A-47D7-AD2D-4F12E71A0C18}" type="datetimeFigureOut">
               <a:rPr lang="cs-CZ" smtClean="0"/>
-              <a:t>26.02.2020</a:t>
+              <a:t>11.10.2021</a:t>
             </a:fld>
             <a:endParaRPr lang="cs-CZ"/>
           </a:p>
@@ -3421,7 +3423,7 @@
           <a:p>
             <a:fld id="{0DA6F2F8-F70A-47D7-AD2D-4F12E71A0C18}" type="datetimeFigureOut">
               <a:rPr lang="cs-CZ" smtClean="0"/>
-              <a:t>26.02.2020</a:t>
+              <a:t>11.10.2021</a:t>
             </a:fld>
             <a:endParaRPr lang="cs-CZ"/>
           </a:p>
@@ -3938,7 +3940,7 @@
           <a:p>
             <a:r>
               <a:rPr lang="cs-CZ" dirty="0"/>
-              <a:t>Javascript Interop</a:t>
+              <a:t>JavaScript Interop</a:t>
             </a:r>
           </a:p>
         </p:txBody>
@@ -4079,7 +4081,15 @@
           <a:p>
             <a:r>
               <a:rPr lang="cs-CZ" dirty="0"/>
-              <a:t>Volání javascriptu z .NETu</a:t>
+              <a:t>Volání javascriptu z .</a:t>
+            </a:r>
+            <a:r>
+              <a:rPr lang="cs-CZ" dirty="0" err="1"/>
+              <a:t>NETu</a:t>
+            </a:r>
+            <a:r>
+              <a:rPr lang="cs-CZ" dirty="0"/>
+              <a:t> (příprava)</a:t>
             </a:r>
           </a:p>
         </p:txBody>
@@ -4317,8 +4327,21 @@
           <a:p>
             <a:r>
               <a:rPr lang="cs-CZ" dirty="0"/>
-              <a:t>Volání javascriptu z .NETu</a:t>
-            </a:r>
+              <a:t>Volání javascriptu z .</a:t>
+            </a:r>
+            <a:r>
+              <a:rPr lang="cs-CZ" dirty="0" err="1"/>
+              <a:t>NETu</a:t>
+            </a:r>
+            <a:r>
+              <a:rPr lang="cs-CZ" dirty="0"/>
+              <a:t> - </a:t>
+            </a:r>
+            <a:r>
+              <a:rPr lang="cs-CZ" dirty="0" err="1"/>
+              <a:t>invokeVoidAsync</a:t>
+            </a:r>
+            <a:endParaRPr lang="cs-CZ" dirty="0"/>
           </a:p>
         </p:txBody>
       </p:sp>
@@ -5104,7 +5127,23 @@
           <a:p>
             <a:r>
               <a:rPr lang="cs-CZ" dirty="0"/>
-              <a:t>Volání javascriptu z .NETu - confirm</a:t>
+              <a:t>Volání javascriptu z .</a:t>
+            </a:r>
+            <a:r>
+              <a:rPr lang="cs-CZ" dirty="0" err="1"/>
+              <a:t>NETu</a:t>
+            </a:r>
+            <a:r>
+              <a:rPr lang="cs-CZ" dirty="0"/>
+              <a:t> – </a:t>
+            </a:r>
+            <a:r>
+              <a:rPr lang="cs-CZ" dirty="0" err="1"/>
+              <a:t>invokeAsync</a:t>
+            </a:r>
+            <a:r>
+              <a:rPr lang="cs-CZ" dirty="0"/>
+              <a:t>&lt;&gt;</a:t>
             </a:r>
           </a:p>
         </p:txBody>
@@ -5415,6 +5454,176 @@
           <p:cNvPr id="2" name="Title 1">
             <a:extLst>
               <a:ext uri="{FF2B5EF4-FFF2-40B4-BE49-F238E27FC236}">
+                <a16:creationId xmlns:a16="http://schemas.microsoft.com/office/drawing/2014/main" id="{9157A232-74DF-43A9-9BB1-7FD2335C9421}"/>
+              </a:ext>
+            </a:extLst>
+          </p:cNvPr>
+          <p:cNvSpPr>
+            <a:spLocks noGrp="1"/>
+          </p:cNvSpPr>
+          <p:nvPr>
+            <p:ph type="title"/>
+          </p:nvPr>
+        </p:nvSpPr>
+        <p:spPr>
+          <a:xfrm>
+            <a:off x="911424" y="3056980"/>
+            <a:ext cx="10363200" cy="3324348"/>
+          </a:xfrm>
+        </p:spPr>
+        <p:txBody>
+          <a:bodyPr>
+            <a:normAutofit/>
+          </a:bodyPr>
+          <a:lstStyle/>
+          <a:p>
+            <a:endParaRPr lang="cs-CZ" sz="4000" dirty="0"/>
+          </a:p>
+        </p:txBody>
+      </p:sp>
+      <p:sp>
+        <p:nvSpPr>
+          <p:cNvPr id="3" name="Text Placeholder 2">
+            <a:extLst>
+              <a:ext uri="{FF2B5EF4-FFF2-40B4-BE49-F238E27FC236}">
+                <a16:creationId xmlns:a16="http://schemas.microsoft.com/office/drawing/2014/main" id="{3B170FEF-CB05-4925-B91B-04DA5FDB9C18}"/>
+              </a:ext>
+            </a:extLst>
+          </p:cNvPr>
+          <p:cNvSpPr>
+            <a:spLocks noGrp="1"/>
+          </p:cNvSpPr>
+          <p:nvPr>
+            <p:ph type="body" idx="1"/>
+          </p:nvPr>
+        </p:nvSpPr>
+        <p:spPr/>
+        <p:txBody>
+          <a:bodyPr>
+            <a:normAutofit/>
+          </a:bodyPr>
+          <a:lstStyle/>
+          <a:p>
+            <a:r>
+              <a:rPr lang="cs-CZ" sz="4000" b="1" dirty="0">
+                <a:latin typeface="+mj-lt"/>
+              </a:rPr>
+              <a:t>Volání </a:t>
+            </a:r>
+            <a:r>
+              <a:rPr lang="cs-CZ" sz="4000" b="1" dirty="0" err="1">
+                <a:latin typeface="+mj-lt"/>
+              </a:rPr>
+              <a:t>javascriptu</a:t>
+            </a:r>
+            <a:r>
+              <a:rPr lang="cs-CZ" sz="4000" b="1" dirty="0">
+                <a:latin typeface="+mj-lt"/>
+              </a:rPr>
+              <a:t> z .</a:t>
+            </a:r>
+            <a:r>
+              <a:rPr lang="cs-CZ" sz="4000" b="1" dirty="0" err="1">
+                <a:latin typeface="+mj-lt"/>
+              </a:rPr>
+              <a:t>NETu</a:t>
+            </a:r>
+            <a:endParaRPr lang="cs-CZ" sz="4000" b="1" dirty="0">
+              <a:latin typeface="+mj-lt"/>
+            </a:endParaRPr>
+          </a:p>
+        </p:txBody>
+      </p:sp>
+      <p:pic>
+        <p:nvPicPr>
+          <p:cNvPr id="4098" name="Picture 2" descr="Image result for demo">
+            <a:extLst>
+              <a:ext uri="{FF2B5EF4-FFF2-40B4-BE49-F238E27FC236}">
+                <a16:creationId xmlns:a16="http://schemas.microsoft.com/office/drawing/2014/main" id="{27446DE1-DCF5-4DC9-85F6-2193DDB1474F}"/>
+              </a:ext>
+            </a:extLst>
+          </p:cNvPr>
+          <p:cNvPicPr>
+            <a:picLocks noChangeAspect="1" noChangeArrowheads="1"/>
+          </p:cNvPicPr>
+          <p:nvPr/>
+        </p:nvPicPr>
+        <p:blipFill>
+          <a:blip r:embed="rId2">
+            <a:extLst>
+              <a:ext uri="{28A0092B-C50C-407E-A947-70E740481C1C}">
+                <a14:useLocalDpi xmlns:a14="http://schemas.microsoft.com/office/drawing/2010/main" val="0"/>
+              </a:ext>
+            </a:extLst>
+          </a:blip>
+          <a:srcRect/>
+          <a:stretch>
+            <a:fillRect/>
+          </a:stretch>
+        </p:blipFill>
+        <p:spPr bwMode="auto">
+          <a:xfrm>
+            <a:off x="6600056" y="280849"/>
+            <a:ext cx="5842620" cy="2430530"/>
+          </a:xfrm>
+          <a:prstGeom prst="rect">
+            <a:avLst/>
+          </a:prstGeom>
+          <a:noFill/>
+          <a:extLst>
+            <a:ext uri="{909E8E84-426E-40DD-AFC4-6F175D3DCCD1}">
+              <a14:hiddenFill xmlns:a14="http://schemas.microsoft.com/office/drawing/2010/main">
+                <a:solidFill>
+                  <a:srgbClr val="FFFFFF"/>
+                </a:solidFill>
+              </a14:hiddenFill>
+            </a:ext>
+          </a:extLst>
+        </p:spPr>
+      </p:pic>
+    </p:spTree>
+    <p:extLst>
+      <p:ext uri="{BB962C8B-B14F-4D97-AF65-F5344CB8AC3E}">
+        <p14:creationId xmlns:p14="http://schemas.microsoft.com/office/powerpoint/2010/main" val="3599125898"/>
+      </p:ext>
+    </p:extLst>
+  </p:cSld>
+  <p:clrMapOvr>
+    <a:masterClrMapping/>
+  </p:clrMapOvr>
+  <mc:AlternateContent xmlns:mc="http://schemas.openxmlformats.org/markup-compatibility/2006" xmlns:p14="http://schemas.microsoft.com/office/powerpoint/2010/main">
+    <mc:Choice Requires="p14">
+      <p:transition p14:dur="0"/>
+    </mc:Choice>
+    <mc:Fallback xmlns="">
+      <p:transition/>
+    </mc:Fallback>
+  </mc:AlternateContent>
+</p:sld>
+</file>
+
+<file path=ppt/slides/slide7.xml><?xml version="1.0" encoding="utf-8"?>
+<p:sld xmlns:a="http://schemas.openxmlformats.org/drawingml/2006/main" xmlns:r="http://schemas.openxmlformats.org/officeDocument/2006/relationships" xmlns:p="http://schemas.openxmlformats.org/presentationml/2006/main">
+  <p:cSld>
+    <p:spTree>
+      <p:nvGrpSpPr>
+        <p:cNvPr id="1" name=""/>
+        <p:cNvGrpSpPr/>
+        <p:nvPr/>
+      </p:nvGrpSpPr>
+      <p:grpSpPr>
+        <a:xfrm>
+          <a:off x="0" y="0"/>
+          <a:ext cx="0" cy="0"/>
+          <a:chOff x="0" y="0"/>
+          <a:chExt cx="0" cy="0"/>
+        </a:xfrm>
+      </p:grpSpPr>
+      <p:sp>
+        <p:nvSpPr>
+          <p:cNvPr id="2" name="Title 1">
+            <a:extLst>
+              <a:ext uri="{FF2B5EF4-FFF2-40B4-BE49-F238E27FC236}">
                 <a16:creationId xmlns:a16="http://schemas.microsoft.com/office/drawing/2014/main" id="{74F82669-9063-4DAF-BFAE-95E9FFDA46E5}"/>
               </a:ext>
             </a:extLst>
@@ -5432,9 +5641,18 @@
           <a:lstStyle/>
           <a:p>
             <a:r>
+              <a:rPr lang="cs-CZ" dirty="0" err="1"/>
+              <a:t>Volání.NETu</a:t>
+            </a:r>
+            <a:r>
               <a:rPr lang="cs-CZ" dirty="0"/>
-              <a:t>Volání.NETu a Javascriptu</a:t>
-            </a:r>
+              <a:t> z </a:t>
+            </a:r>
+            <a:r>
+              <a:rPr lang="cs-CZ" dirty="0" err="1"/>
+              <a:t>javascriptu</a:t>
+            </a:r>
+            <a:endParaRPr lang="cs-CZ" dirty="0"/>
           </a:p>
         </p:txBody>
       </p:sp>
@@ -5457,7 +5675,7 @@
         <p:spPr/>
         <p:txBody>
           <a:bodyPr>
-            <a:normAutofit/>
+            <a:normAutofit fontScale="92500" lnSpcReduction="10000"/>
           </a:bodyPr>
           <a:lstStyle/>
           <a:p>
@@ -5468,9 +5686,96 @@
               <a:rPr lang="cs-CZ" sz="3600" dirty="0">
                 <a:hlinkClick r:id="rId2"/>
               </a:rPr>
-              <a:t>https://docs.microsoft.com/en-us/aspnet/core/blazor/call-dotnet-from-javascript</a:t>
+              <a:t>https://docs.microsoft.com/en-us/aspnet/core/blazor/javascript-interoperability/call-dotnet-from-javascript</a:t>
             </a:r>
             <a:endParaRPr lang="cs-CZ" sz="3600" dirty="0"/>
+          </a:p>
+          <a:p>
+            <a:pPr marL="0" indent="0">
+              <a:buNone/>
+            </a:pPr>
+            <a:endParaRPr lang="cs-CZ" sz="3600" dirty="0"/>
+          </a:p>
+          <a:p>
+            <a:r>
+              <a:rPr lang="cs-CZ" sz="3600" dirty="0"/>
+              <a:t>Static (viz dokumentace)</a:t>
+            </a:r>
+          </a:p>
+          <a:p>
+            <a:r>
+              <a:rPr lang="cs-CZ" sz="3600" dirty="0"/>
+              <a:t>Instance (viz demo)</a:t>
+            </a:r>
+          </a:p>
+          <a:p>
+            <a:pPr lvl="1"/>
+            <a:r>
+              <a:rPr lang="cs-CZ" sz="3200" dirty="0" err="1"/>
+              <a:t>DotNetObjectReference.Create</a:t>
+            </a:r>
+            <a:r>
+              <a:rPr lang="cs-CZ" sz="3200" dirty="0"/>
+              <a:t> </a:t>
+            </a:r>
+            <a:r>
+              <a:rPr lang="cs-CZ" sz="3200" dirty="0">
+                <a:sym typeface="Wingdings" panose="05000000000000000000" pitchFamily="2" charset="2"/>
+              </a:rPr>
+              <a:t> </a:t>
+            </a:r>
+            <a:r>
+              <a:rPr lang="cs-CZ" sz="3200" dirty="0" err="1">
+                <a:sym typeface="Wingdings" panose="05000000000000000000" pitchFamily="2" charset="2"/>
+              </a:rPr>
+              <a:t>js</a:t>
+            </a:r>
+            <a:endParaRPr lang="cs-CZ" sz="3200" dirty="0">
+              <a:sym typeface="Wingdings" panose="05000000000000000000" pitchFamily="2" charset="2"/>
+            </a:endParaRPr>
+          </a:p>
+          <a:p>
+            <a:pPr lvl="1"/>
+            <a:r>
+              <a:rPr lang="cs-CZ" sz="3200" dirty="0" err="1"/>
+              <a:t>js</a:t>
+            </a:r>
+            <a:r>
+              <a:rPr lang="cs-CZ" sz="3200" dirty="0"/>
+              <a:t>: </a:t>
+            </a:r>
+            <a:r>
+              <a:rPr lang="cs-CZ" sz="3200" dirty="0" err="1"/>
+              <a:t>invokeMethod</a:t>
+            </a:r>
+            <a:r>
+              <a:rPr lang="cs-CZ" sz="3200" dirty="0"/>
+              <a:t>[</a:t>
+            </a:r>
+            <a:r>
+              <a:rPr lang="cs-CZ" sz="3200" dirty="0" err="1"/>
+              <a:t>Async</a:t>
+            </a:r>
+            <a:r>
+              <a:rPr lang="cs-CZ" sz="3200" dirty="0"/>
+              <a:t>]</a:t>
+            </a:r>
+          </a:p>
+          <a:p>
+            <a:pPr lvl="1"/>
+            <a:r>
+              <a:rPr lang="cs-CZ" sz="3200" dirty="0" err="1"/>
+              <a:t>Dispose</a:t>
+            </a:r>
+            <a:r>
+              <a:rPr lang="cs-CZ" sz="3200" dirty="0"/>
+              <a:t> </a:t>
+            </a:r>
+            <a:r>
+              <a:rPr lang="cs-CZ" sz="3200" dirty="0" err="1"/>
+              <a:t>DotNetObjectReference</a:t>
+            </a:r>
+            <a:endParaRPr lang="cs-CZ" sz="3200" dirty="0"/>
           </a:p>
         </p:txBody>
       </p:sp>
@@ -5494,6 +5799,176 @@
       <p:transition spd="med">
         <p:fade/>
       </p:transition>
+    </mc:Fallback>
+  </mc:AlternateContent>
+</p:sld>
+</file>
+
+<file path=ppt/slides/slide8.xml><?xml version="1.0" encoding="utf-8"?>
+<p:sld xmlns:a="http://schemas.openxmlformats.org/drawingml/2006/main" xmlns:r="http://schemas.openxmlformats.org/officeDocument/2006/relationships" xmlns:p="http://schemas.openxmlformats.org/presentationml/2006/main">
+  <p:cSld>
+    <p:spTree>
+      <p:nvGrpSpPr>
+        <p:cNvPr id="1" name=""/>
+        <p:cNvGrpSpPr/>
+        <p:nvPr/>
+      </p:nvGrpSpPr>
+      <p:grpSpPr>
+        <a:xfrm>
+          <a:off x="0" y="0"/>
+          <a:ext cx="0" cy="0"/>
+          <a:chOff x="0" y="0"/>
+          <a:chExt cx="0" cy="0"/>
+        </a:xfrm>
+      </p:grpSpPr>
+      <p:sp>
+        <p:nvSpPr>
+          <p:cNvPr id="2" name="Title 1">
+            <a:extLst>
+              <a:ext uri="{FF2B5EF4-FFF2-40B4-BE49-F238E27FC236}">
+                <a16:creationId xmlns:a16="http://schemas.microsoft.com/office/drawing/2014/main" id="{9157A232-74DF-43A9-9BB1-7FD2335C9421}"/>
+              </a:ext>
+            </a:extLst>
+          </p:cNvPr>
+          <p:cNvSpPr>
+            <a:spLocks noGrp="1"/>
+          </p:cNvSpPr>
+          <p:nvPr>
+            <p:ph type="title"/>
+          </p:nvPr>
+        </p:nvSpPr>
+        <p:spPr>
+          <a:xfrm>
+            <a:off x="911424" y="3056980"/>
+            <a:ext cx="10363200" cy="3324348"/>
+          </a:xfrm>
+        </p:spPr>
+        <p:txBody>
+          <a:bodyPr>
+            <a:normAutofit/>
+          </a:bodyPr>
+          <a:lstStyle/>
+          <a:p>
+            <a:endParaRPr lang="cs-CZ" sz="4000" dirty="0"/>
+          </a:p>
+        </p:txBody>
+      </p:sp>
+      <p:sp>
+        <p:nvSpPr>
+          <p:cNvPr id="3" name="Text Placeholder 2">
+            <a:extLst>
+              <a:ext uri="{FF2B5EF4-FFF2-40B4-BE49-F238E27FC236}">
+                <a16:creationId xmlns:a16="http://schemas.microsoft.com/office/drawing/2014/main" id="{3B170FEF-CB05-4925-B91B-04DA5FDB9C18}"/>
+              </a:ext>
+            </a:extLst>
+          </p:cNvPr>
+          <p:cNvSpPr>
+            <a:spLocks noGrp="1"/>
+          </p:cNvSpPr>
+          <p:nvPr>
+            <p:ph type="body" idx="1"/>
+          </p:nvPr>
+        </p:nvSpPr>
+        <p:spPr/>
+        <p:txBody>
+          <a:bodyPr>
+            <a:normAutofit/>
+          </a:bodyPr>
+          <a:lstStyle/>
+          <a:p>
+            <a:r>
+              <a:rPr lang="cs-CZ" sz="4000" b="1" dirty="0">
+                <a:latin typeface="+mj-lt"/>
+              </a:rPr>
+              <a:t>Volání .</a:t>
+            </a:r>
+            <a:r>
+              <a:rPr lang="cs-CZ" sz="4000" b="1" dirty="0" err="1">
+                <a:latin typeface="+mj-lt"/>
+              </a:rPr>
+              <a:t>NETu</a:t>
+            </a:r>
+            <a:r>
+              <a:rPr lang="cs-CZ" sz="4000" b="1" dirty="0">
+                <a:latin typeface="+mj-lt"/>
+              </a:rPr>
+              <a:t> z </a:t>
+            </a:r>
+            <a:r>
+              <a:rPr lang="cs-CZ" sz="4000" b="1" dirty="0" err="1">
+                <a:latin typeface="+mj-lt"/>
+              </a:rPr>
+              <a:t>javascriptu</a:t>
+            </a:r>
+            <a:endParaRPr lang="cs-CZ" sz="4000" b="1" dirty="0">
+              <a:latin typeface="+mj-lt"/>
+            </a:endParaRPr>
+          </a:p>
+        </p:txBody>
+      </p:sp>
+      <p:pic>
+        <p:nvPicPr>
+          <p:cNvPr id="4098" name="Picture 2" descr="Image result for demo">
+            <a:extLst>
+              <a:ext uri="{FF2B5EF4-FFF2-40B4-BE49-F238E27FC236}">
+                <a16:creationId xmlns:a16="http://schemas.microsoft.com/office/drawing/2014/main" id="{27446DE1-DCF5-4DC9-85F6-2193DDB1474F}"/>
+              </a:ext>
+            </a:extLst>
+          </p:cNvPr>
+          <p:cNvPicPr>
+            <a:picLocks noChangeAspect="1" noChangeArrowheads="1"/>
+          </p:cNvPicPr>
+          <p:nvPr/>
+        </p:nvPicPr>
+        <p:blipFill>
+          <a:blip r:embed="rId2">
+            <a:extLst>
+              <a:ext uri="{28A0092B-C50C-407E-A947-70E740481C1C}">
+                <a14:useLocalDpi xmlns:a14="http://schemas.microsoft.com/office/drawing/2010/main" val="0"/>
+              </a:ext>
+            </a:extLst>
+          </a:blip>
+          <a:srcRect/>
+          <a:stretch>
+            <a:fillRect/>
+          </a:stretch>
+        </p:blipFill>
+        <p:spPr bwMode="auto">
+          <a:xfrm>
+            <a:off x="6600056" y="280849"/>
+            <a:ext cx="5842620" cy="2430530"/>
+          </a:xfrm>
+          <a:prstGeom prst="rect">
+            <a:avLst/>
+          </a:prstGeom>
+          <a:noFill/>
+          <a:extLst>
+            <a:ext uri="{909E8E84-426E-40DD-AFC4-6F175D3DCCD1}">
+              <a14:hiddenFill xmlns:a14="http://schemas.microsoft.com/office/drawing/2010/main">
+                <a:solidFill>
+                  <a:srgbClr val="FFFFFF"/>
+                </a:solidFill>
+              </a14:hiddenFill>
+            </a:ext>
+          </a:extLst>
+        </p:spPr>
+      </p:pic>
+    </p:spTree>
+    <p:extLst>
+      <p:ext uri="{BB962C8B-B14F-4D97-AF65-F5344CB8AC3E}">
+        <p14:creationId xmlns:p14="http://schemas.microsoft.com/office/powerpoint/2010/main" val="587147918"/>
+      </p:ext>
+    </p:extLst>
+  </p:cSld>
+  <p:clrMapOvr>
+    <a:masterClrMapping/>
+  </p:clrMapOvr>
+  <mc:AlternateContent xmlns:mc="http://schemas.openxmlformats.org/markup-compatibility/2006" xmlns:p14="http://schemas.microsoft.com/office/powerpoint/2010/main">
+    <mc:Choice Requires="p14">
+      <p:transition p14:dur="0"/>
+    </mc:Choice>
+    <mc:Fallback xmlns="">
+      <p:transition/>
     </mc:Fallback>
   </mc:AlternateContent>
 </p:sld>
@@ -6075,12 +6550,9 @@
 </file>
 
 <file path=customXml/item1.xml><?xml version="1.0" encoding="utf-8"?>
-<?mso-contentType ?>
-<FormTemplates xmlns="http://schemas.microsoft.com/sharepoint/v3/contenttype/forms">
-  <Display>DocumentLibraryForm</Display>
-  <Edit>DocumentLibraryForm</Edit>
-  <New>DocumentLibraryForm</New>
-</FormTemplates>
+<p:properties xmlns:p="http://schemas.microsoft.com/office/2006/metadata/properties" xmlns:xsi="http://www.w3.org/2001/XMLSchema-instance" xmlns:pc="http://schemas.microsoft.com/office/infopath/2007/PartnerControls">
+  <documentManagement/>
+</p:properties>
 </file>
 
 <file path=customXml/item2.xml><?xml version="1.0" encoding="utf-8"?>
@@ -6198,15 +6670,19 @@
 </file>
 
 <file path=customXml/item3.xml><?xml version="1.0" encoding="utf-8"?>
-<p:properties xmlns:p="http://schemas.microsoft.com/office/2006/metadata/properties" xmlns:xsi="http://www.w3.org/2001/XMLSchema-instance" xmlns:pc="http://schemas.microsoft.com/office/infopath/2007/PartnerControls">
-  <documentManagement/>
-</p:properties>
+<?mso-contentType ?>
+<FormTemplates xmlns="http://schemas.microsoft.com/sharepoint/v3/contenttype/forms">
+  <Display>DocumentLibraryForm</Display>
+  <Edit>DocumentLibraryForm</Edit>
+  <New>DocumentLibraryForm</New>
+</FormTemplates>
 </file>
 
 <file path=customXml/itemProps1.xml><?xml version="1.0" encoding="utf-8"?>
-<ds:datastoreItem xmlns:ds="http://schemas.openxmlformats.org/officeDocument/2006/customXml" ds:itemID="{B22238E5-BDC0-4655-AFB5-A7405C559E7D}">
+<ds:datastoreItem xmlns:ds="http://schemas.openxmlformats.org/officeDocument/2006/customXml" ds:itemID="{317FD51D-081C-435E-8F5D-6D88218064D9}">
   <ds:schemaRefs>
-    <ds:schemaRef ds:uri="http://schemas.microsoft.com/sharepoint/v3/contenttype/forms"/>
+    <ds:schemaRef ds:uri="http://schemas.microsoft.com/office/2006/metadata/properties"/>
+    <ds:schemaRef ds:uri="http://schemas.microsoft.com/office/infopath/2007/PartnerControls"/>
   </ds:schemaRefs>
 </ds:datastoreItem>
 </file>
@@ -6228,10 +6704,9 @@
 </file>
 
 <file path=customXml/itemProps3.xml><?xml version="1.0" encoding="utf-8"?>
-<ds:datastoreItem xmlns:ds="http://schemas.openxmlformats.org/officeDocument/2006/customXml" ds:itemID="{317FD51D-081C-435E-8F5D-6D88218064D9}">
+<ds:datastoreItem xmlns:ds="http://schemas.openxmlformats.org/officeDocument/2006/customXml" ds:itemID="{B22238E5-BDC0-4655-AFB5-A7405C559E7D}">
   <ds:schemaRefs>
-    <ds:schemaRef ds:uri="http://schemas.microsoft.com/office/2006/metadata/properties"/>
-    <ds:schemaRef ds:uri="http://schemas.microsoft.com/office/infopath/2007/PartnerControls"/>
+    <ds:schemaRef ds:uri="http://schemas.microsoft.com/sharepoint/v3/contenttype/forms"/>
   </ds:schemaRefs>
 </ds:datastoreItem>
 </file>